--- a/MEMO Djano Ecommerce.pptx
+++ b/MEMO Djano Ecommerce.pptx
@@ -9,6 +9,8 @@
     <p:sldId id="257" r:id="rId3"/>
     <p:sldId id="258" r:id="rId4"/>
     <p:sldId id="259" r:id="rId5"/>
+    <p:sldId id="260" r:id="rId6"/>
+    <p:sldId id="261" r:id="rId7"/>
   </p:sldIdLst>
   <p:sldSz cx="12192000" cy="6858000"/>
   <p:notesSz cx="6858000" cy="9144000"/>
@@ -107,6 +109,11 @@
       </a:defRPr>
     </a:lvl9pPr>
   </p:defaultTextStyle>
+  <p:extLst>
+    <p:ext uri="{EFAFB233-063F-42B5-8137-9DF3F51BA10A}">
+      <p15:sldGuideLst xmlns:p15="http://schemas.microsoft.com/office/powerpoint/2012/main"/>
+    </p:ext>
+  </p:extLst>
 </p:presentation>
 </file>
 
@@ -3718,6 +3725,174 @@
 </p:sld>
 </file>
 
+<file path=ppt/slides/slide5.xml><?xml version="1.0" encoding="utf-8"?>
+<p:sld xmlns:a="http://schemas.openxmlformats.org/drawingml/2006/main" xmlns:r="http://schemas.openxmlformats.org/officeDocument/2006/relationships" xmlns:p="http://schemas.openxmlformats.org/presentationml/2006/main">
+  <p:cSld>
+    <p:spTree>
+      <p:nvGrpSpPr>
+        <p:cNvPr id="1" name=""/>
+        <p:cNvGrpSpPr/>
+        <p:nvPr/>
+      </p:nvGrpSpPr>
+      <p:grpSpPr>
+        <a:xfrm>
+          <a:off x="0" y="0"/>
+          <a:ext cx="0" cy="0"/>
+          <a:chOff x="0" y="0"/>
+          <a:chExt cx="0" cy="0"/>
+        </a:xfrm>
+      </p:grpSpPr>
+      <p:sp>
+        <p:nvSpPr>
+          <p:cNvPr id="5" name="TextBox 4">
+            <a:extLst>
+              <a:ext uri="{FF2B5EF4-FFF2-40B4-BE49-F238E27FC236}">
+                <a16:creationId xmlns:a16="http://schemas.microsoft.com/office/drawing/2014/main" id="{7A1448F8-36C9-11C1-9634-C3DF913E5995}"/>
+              </a:ext>
+            </a:extLst>
+          </p:cNvPr>
+          <p:cNvSpPr txBox="1"/>
+          <p:nvPr/>
+        </p:nvSpPr>
+        <p:spPr>
+          <a:xfrm>
+            <a:off x="658762" y="388655"/>
+            <a:ext cx="10481186" cy="1754326"/>
+          </a:xfrm>
+          <a:prstGeom prst="rect">
+            <a:avLst/>
+          </a:prstGeom>
+          <a:noFill/>
+        </p:spPr>
+        <p:txBody>
+          <a:bodyPr wrap="square">
+            <a:spAutoFit/>
+          </a:bodyPr>
+          <a:lstStyle/>
+          <a:p>
+            <a:r>
+              <a:rPr lang="en-US" dirty="0"/>
+              <a:t>Microsoft Windows [Version 10.0.19045.3208]</a:t>
+            </a:r>
+          </a:p>
+          <a:p>
+            <a:r>
+              <a:rPr lang="en-US" dirty="0"/>
+              <a:t>(c) Microsoft Corporation. All rights reserved.</a:t>
+            </a:r>
+          </a:p>
+          <a:p>
+            <a:endParaRPr lang="en-US" dirty="0"/>
+          </a:p>
+          <a:p>
+            <a:r>
+              <a:rPr lang="en-US" dirty="0"/>
+              <a:t>C:\Users\339073\OneDrive\WEBDEVELOP2023\Django_Ecommerce_02&gt;witaya_ecom\Scripts\activate.bat</a:t>
+            </a:r>
+          </a:p>
+          <a:p>
+            <a:r>
+              <a:rPr lang="en-US" dirty="0"/>
+              <a:t>(</a:t>
+            </a:r>
+            <a:r>
+              <a:rPr lang="en-US" dirty="0" err="1"/>
+              <a:t>witaya_ecom</a:t>
+            </a:r>
+            <a:r>
+              <a:rPr lang="en-US" dirty="0"/>
+              <a:t>) C:\Users\339073\OneDrive\WEBDEVELOP2023\Django_Ecommerce_02&gt;</a:t>
+            </a:r>
+          </a:p>
+          <a:p>
+            <a:r>
+              <a:rPr lang="en-US" dirty="0"/>
+              <a:t>(</a:t>
+            </a:r>
+            <a:r>
+              <a:rPr lang="en-US" dirty="0" err="1"/>
+              <a:t>witaya_ecom</a:t>
+            </a:r>
+            <a:r>
+              <a:rPr lang="en-US" dirty="0"/>
+              <a:t>) C:\Users\339073\OneDrive\WEBDEVELOP2023\Django_Ecommerce_02\djangoworkshop&gt;</a:t>
+            </a:r>
+          </a:p>
+        </p:txBody>
+      </p:sp>
+    </p:spTree>
+    <p:extLst>
+      <p:ext uri="{BB962C8B-B14F-4D97-AF65-F5344CB8AC3E}">
+        <p14:creationId xmlns:p14="http://schemas.microsoft.com/office/powerpoint/2010/main" val="616725202"/>
+      </p:ext>
+    </p:extLst>
+  </p:cSld>
+  <p:clrMapOvr>
+    <a:masterClrMapping/>
+  </p:clrMapOvr>
+</p:sld>
+</file>
+
+<file path=ppt/slides/slide6.xml><?xml version="1.0" encoding="utf-8"?>
+<p:sld xmlns:a="http://schemas.openxmlformats.org/drawingml/2006/main" xmlns:r="http://schemas.openxmlformats.org/officeDocument/2006/relationships" xmlns:p="http://schemas.openxmlformats.org/presentationml/2006/main">
+  <p:cSld>
+    <p:spTree>
+      <p:nvGrpSpPr>
+        <p:cNvPr id="1" name=""/>
+        <p:cNvGrpSpPr/>
+        <p:nvPr/>
+      </p:nvGrpSpPr>
+      <p:grpSpPr>
+        <a:xfrm>
+          <a:off x="0" y="0"/>
+          <a:ext cx="0" cy="0"/>
+          <a:chOff x="0" y="0"/>
+          <a:chExt cx="0" cy="0"/>
+        </a:xfrm>
+      </p:grpSpPr>
+      <p:pic>
+        <p:nvPicPr>
+          <p:cNvPr id="5" name="Picture 4">
+            <a:extLst>
+              <a:ext uri="{FF2B5EF4-FFF2-40B4-BE49-F238E27FC236}">
+                <a16:creationId xmlns:a16="http://schemas.microsoft.com/office/drawing/2014/main" id="{56EF2BAC-CB50-C68C-AF2A-9B4CDA1FFF49}"/>
+              </a:ext>
+            </a:extLst>
+          </p:cNvPr>
+          <p:cNvPicPr>
+            <a:picLocks noChangeAspect="1"/>
+          </p:cNvPicPr>
+          <p:nvPr/>
+        </p:nvPicPr>
+        <p:blipFill>
+          <a:blip r:embed="rId2"/>
+          <a:stretch>
+            <a:fillRect/>
+          </a:stretch>
+        </p:blipFill>
+        <p:spPr>
+          <a:xfrm>
+            <a:off x="766452" y="299469"/>
+            <a:ext cx="10310519" cy="5944430"/>
+          </a:xfrm>
+          <a:prstGeom prst="rect">
+            <a:avLst/>
+          </a:prstGeom>
+        </p:spPr>
+      </p:pic>
+    </p:spTree>
+    <p:extLst>
+      <p:ext uri="{BB962C8B-B14F-4D97-AF65-F5344CB8AC3E}">
+        <p14:creationId xmlns:p14="http://schemas.microsoft.com/office/powerpoint/2010/main" val="720513010"/>
+      </p:ext>
+    </p:extLst>
+  </p:cSld>
+  <p:clrMapOvr>
+    <a:masterClrMapping/>
+  </p:clrMapOvr>
+</p:sld>
+</file>
+
 <file path=ppt/theme/theme1.xml><?xml version="1.0" encoding="utf-8"?>
 <a:theme xmlns:a="http://schemas.openxmlformats.org/drawingml/2006/main" name="Office Theme">
   <a:themeElements>

--- a/MEMO Djano Ecommerce.pptx
+++ b/MEMO Djano Ecommerce.pptx
@@ -9,8 +9,8 @@
     <p:sldId id="257" r:id="rId3"/>
     <p:sldId id="258" r:id="rId4"/>
     <p:sldId id="259" r:id="rId5"/>
-    <p:sldId id="260" r:id="rId6"/>
-    <p:sldId id="261" r:id="rId7"/>
+    <p:sldId id="261" r:id="rId6"/>
+    <p:sldId id="260" r:id="rId7"/>
   </p:sldIdLst>
   <p:sldSz cx="12192000" cy="6858000"/>
   <p:notesSz cx="6858000" cy="9144000"/>
@@ -272,7 +272,7 @@
           <a:p>
             <a:fld id="{88FB9E02-EF2F-45E8-9C52-8DD8EBAD47A3}" type="datetimeFigureOut">
               <a:rPr lang="en-US" smtClean="0"/>
-              <a:t>8/10/2023</a:t>
+              <a:t>8/12/2023</a:t>
             </a:fld>
             <a:endParaRPr lang="en-US"/>
           </a:p>
@@ -470,7 +470,7 @@
           <a:p>
             <a:fld id="{88FB9E02-EF2F-45E8-9C52-8DD8EBAD47A3}" type="datetimeFigureOut">
               <a:rPr lang="en-US" smtClean="0"/>
-              <a:t>8/10/2023</a:t>
+              <a:t>8/12/2023</a:t>
             </a:fld>
             <a:endParaRPr lang="en-US"/>
           </a:p>
@@ -678,7 +678,7 @@
           <a:p>
             <a:fld id="{88FB9E02-EF2F-45E8-9C52-8DD8EBAD47A3}" type="datetimeFigureOut">
               <a:rPr lang="en-US" smtClean="0"/>
-              <a:t>8/10/2023</a:t>
+              <a:t>8/12/2023</a:t>
             </a:fld>
             <a:endParaRPr lang="en-US"/>
           </a:p>
@@ -876,7 +876,7 @@
           <a:p>
             <a:fld id="{88FB9E02-EF2F-45E8-9C52-8DD8EBAD47A3}" type="datetimeFigureOut">
               <a:rPr lang="en-US" smtClean="0"/>
-              <a:t>8/10/2023</a:t>
+              <a:t>8/12/2023</a:t>
             </a:fld>
             <a:endParaRPr lang="en-US"/>
           </a:p>
@@ -1151,7 +1151,7 @@
           <a:p>
             <a:fld id="{88FB9E02-EF2F-45E8-9C52-8DD8EBAD47A3}" type="datetimeFigureOut">
               <a:rPr lang="en-US" smtClean="0"/>
-              <a:t>8/10/2023</a:t>
+              <a:t>8/12/2023</a:t>
             </a:fld>
             <a:endParaRPr lang="en-US"/>
           </a:p>
@@ -1416,7 +1416,7 @@
           <a:p>
             <a:fld id="{88FB9E02-EF2F-45E8-9C52-8DD8EBAD47A3}" type="datetimeFigureOut">
               <a:rPr lang="en-US" smtClean="0"/>
-              <a:t>8/10/2023</a:t>
+              <a:t>8/12/2023</a:t>
             </a:fld>
             <a:endParaRPr lang="en-US"/>
           </a:p>
@@ -1828,7 +1828,7 @@
           <a:p>
             <a:fld id="{88FB9E02-EF2F-45E8-9C52-8DD8EBAD47A3}" type="datetimeFigureOut">
               <a:rPr lang="en-US" smtClean="0"/>
-              <a:t>8/10/2023</a:t>
+              <a:t>8/12/2023</a:t>
             </a:fld>
             <a:endParaRPr lang="en-US"/>
           </a:p>
@@ -1969,7 +1969,7 @@
           <a:p>
             <a:fld id="{88FB9E02-EF2F-45E8-9C52-8DD8EBAD47A3}" type="datetimeFigureOut">
               <a:rPr lang="en-US" smtClean="0"/>
-              <a:t>8/10/2023</a:t>
+              <a:t>8/12/2023</a:t>
             </a:fld>
             <a:endParaRPr lang="en-US"/>
           </a:p>
@@ -2082,7 +2082,7 @@
           <a:p>
             <a:fld id="{88FB9E02-EF2F-45E8-9C52-8DD8EBAD47A3}" type="datetimeFigureOut">
               <a:rPr lang="en-US" smtClean="0"/>
-              <a:t>8/10/2023</a:t>
+              <a:t>8/12/2023</a:t>
             </a:fld>
             <a:endParaRPr lang="en-US"/>
           </a:p>
@@ -2393,7 +2393,7 @@
           <a:p>
             <a:fld id="{88FB9E02-EF2F-45E8-9C52-8DD8EBAD47A3}" type="datetimeFigureOut">
               <a:rPr lang="en-US" smtClean="0"/>
-              <a:t>8/10/2023</a:t>
+              <a:t>8/12/2023</a:t>
             </a:fld>
             <a:endParaRPr lang="en-US"/>
           </a:p>
@@ -2681,7 +2681,7 @@
           <a:p>
             <a:fld id="{88FB9E02-EF2F-45E8-9C52-8DD8EBAD47A3}" type="datetimeFigureOut">
               <a:rPr lang="en-US" smtClean="0"/>
-              <a:t>8/10/2023</a:t>
+              <a:t>8/12/2023</a:t>
             </a:fld>
             <a:endParaRPr lang="en-US"/>
           </a:p>
@@ -2922,7 +2922,7 @@
           <a:p>
             <a:fld id="{88FB9E02-EF2F-45E8-9C52-8DD8EBAD47A3}" type="datetimeFigureOut">
               <a:rPr lang="en-US" smtClean="0"/>
-              <a:t>8/10/2023</a:t>
+              <a:t>8/12/2023</a:t>
             </a:fld>
             <a:endParaRPr lang="en-US"/>
           </a:p>
@@ -3354,7 +3354,7 @@
         <p:spPr>
           <a:xfrm>
             <a:off x="1058238" y="873303"/>
-            <a:ext cx="3583225" cy="1200329"/>
+            <a:ext cx="5037148" cy="1200329"/>
           </a:xfrm>
           <a:prstGeom prst="rect">
             <a:avLst/>
@@ -3373,7 +3373,7 @@
             </a:pPr>
             <a:r>
               <a:rPr lang="en-US" dirty="0"/>
-              <a:t>The Project run on Dell notebook</a:t>
+              <a:t>The Project run on Dell notebook ( Aug-12-2023)</a:t>
             </a:r>
           </a:p>
           <a:p>
@@ -3393,7 +3393,7 @@
             </a:pPr>
             <a:r>
               <a:rPr lang="en-US" dirty="0"/>
-              <a:t>Problem can not see </a:t>
+              <a:t>Found Problem can not see </a:t>
             </a:r>
           </a:p>
           <a:p>
@@ -3742,88 +3742,40 @@
           <a:chExt cx="0" cy="0"/>
         </a:xfrm>
       </p:grpSpPr>
-      <p:sp>
-        <p:nvSpPr>
-          <p:cNvPr id="5" name="TextBox 4">
-            <a:extLst>
-              <a:ext uri="{FF2B5EF4-FFF2-40B4-BE49-F238E27FC236}">
-                <a16:creationId xmlns:a16="http://schemas.microsoft.com/office/drawing/2014/main" id="{7A1448F8-36C9-11C1-9634-C3DF913E5995}"/>
-              </a:ext>
-            </a:extLst>
-          </p:cNvPr>
-          <p:cNvSpPr txBox="1"/>
+      <p:pic>
+        <p:nvPicPr>
+          <p:cNvPr id="5" name="Picture 4">
+            <a:extLst>
+              <a:ext uri="{FF2B5EF4-FFF2-40B4-BE49-F238E27FC236}">
+                <a16:creationId xmlns:a16="http://schemas.microsoft.com/office/drawing/2014/main" id="{56EF2BAC-CB50-C68C-AF2A-9B4CDA1FFF49}"/>
+              </a:ext>
+            </a:extLst>
+          </p:cNvPr>
+          <p:cNvPicPr>
+            <a:picLocks noChangeAspect="1"/>
+          </p:cNvPicPr>
           <p:nvPr/>
-        </p:nvSpPr>
+        </p:nvPicPr>
+        <p:blipFill>
+          <a:blip r:embed="rId2"/>
+          <a:stretch>
+            <a:fillRect/>
+          </a:stretch>
+        </p:blipFill>
         <p:spPr>
           <a:xfrm>
-            <a:off x="658762" y="388655"/>
-            <a:ext cx="10481186" cy="1754326"/>
+            <a:off x="766452" y="299469"/>
+            <a:ext cx="10310519" cy="5944430"/>
           </a:xfrm>
           <a:prstGeom prst="rect">
             <a:avLst/>
           </a:prstGeom>
-          <a:noFill/>
         </p:spPr>
-        <p:txBody>
-          <a:bodyPr wrap="square">
-            <a:spAutoFit/>
-          </a:bodyPr>
-          <a:lstStyle/>
-          <a:p>
-            <a:r>
-              <a:rPr lang="en-US" dirty="0"/>
-              <a:t>Microsoft Windows [Version 10.0.19045.3208]</a:t>
-            </a:r>
-          </a:p>
-          <a:p>
-            <a:r>
-              <a:rPr lang="en-US" dirty="0"/>
-              <a:t>(c) Microsoft Corporation. All rights reserved.</a:t>
-            </a:r>
-          </a:p>
-          <a:p>
-            <a:endParaRPr lang="en-US" dirty="0"/>
-          </a:p>
-          <a:p>
-            <a:r>
-              <a:rPr lang="en-US" dirty="0"/>
-              <a:t>C:\Users\339073\OneDrive\WEBDEVELOP2023\Django_Ecommerce_02&gt;witaya_ecom\Scripts\activate.bat</a:t>
-            </a:r>
-          </a:p>
-          <a:p>
-            <a:r>
-              <a:rPr lang="en-US" dirty="0"/>
-              <a:t>(</a:t>
-            </a:r>
-            <a:r>
-              <a:rPr lang="en-US" dirty="0" err="1"/>
-              <a:t>witaya_ecom</a:t>
-            </a:r>
-            <a:r>
-              <a:rPr lang="en-US" dirty="0"/>
-              <a:t>) C:\Users\339073\OneDrive\WEBDEVELOP2023\Django_Ecommerce_02&gt;</a:t>
-            </a:r>
-          </a:p>
-          <a:p>
-            <a:r>
-              <a:rPr lang="en-US" dirty="0"/>
-              <a:t>(</a:t>
-            </a:r>
-            <a:r>
-              <a:rPr lang="en-US" dirty="0" err="1"/>
-              <a:t>witaya_ecom</a:t>
-            </a:r>
-            <a:r>
-              <a:rPr lang="en-US" dirty="0"/>
-              <a:t>) C:\Users\339073\OneDrive\WEBDEVELOP2023\Django_Ecommerce_02\djangoworkshop&gt;</a:t>
-            </a:r>
-          </a:p>
-        </p:txBody>
-      </p:sp>
+      </p:pic>
     </p:spTree>
     <p:extLst>
       <p:ext uri="{BB962C8B-B14F-4D97-AF65-F5344CB8AC3E}">
-        <p14:creationId xmlns:p14="http://schemas.microsoft.com/office/powerpoint/2010/main" val="616725202"/>
+        <p14:creationId xmlns:p14="http://schemas.microsoft.com/office/powerpoint/2010/main" val="720513010"/>
       </p:ext>
     </p:extLst>
   </p:cSld>
@@ -3850,40 +3802,93 @@
           <a:chExt cx="0" cy="0"/>
         </a:xfrm>
       </p:grpSpPr>
-      <p:pic>
-        <p:nvPicPr>
-          <p:cNvPr id="5" name="Picture 4">
-            <a:extLst>
-              <a:ext uri="{FF2B5EF4-FFF2-40B4-BE49-F238E27FC236}">
-                <a16:creationId xmlns:a16="http://schemas.microsoft.com/office/drawing/2014/main" id="{56EF2BAC-CB50-C68C-AF2A-9B4CDA1FFF49}"/>
-              </a:ext>
-            </a:extLst>
-          </p:cNvPr>
-          <p:cNvPicPr>
-            <a:picLocks noChangeAspect="1"/>
-          </p:cNvPicPr>
+      <p:sp>
+        <p:nvSpPr>
+          <p:cNvPr id="5" name="TextBox 4">
+            <a:extLst>
+              <a:ext uri="{FF2B5EF4-FFF2-40B4-BE49-F238E27FC236}">
+                <a16:creationId xmlns:a16="http://schemas.microsoft.com/office/drawing/2014/main" id="{7A1448F8-36C9-11C1-9634-C3DF913E5995}"/>
+              </a:ext>
+            </a:extLst>
+          </p:cNvPr>
+          <p:cNvSpPr txBox="1"/>
           <p:nvPr/>
-        </p:nvPicPr>
-        <p:blipFill>
-          <a:blip r:embed="rId2"/>
-          <a:stretch>
-            <a:fillRect/>
-          </a:stretch>
-        </p:blipFill>
+        </p:nvSpPr>
         <p:spPr>
           <a:xfrm>
-            <a:off x="766452" y="299469"/>
-            <a:ext cx="10310519" cy="5944430"/>
+            <a:off x="297951" y="388655"/>
+            <a:ext cx="11507056" cy="1754326"/>
           </a:xfrm>
           <a:prstGeom prst="rect">
             <a:avLst/>
           </a:prstGeom>
+          <a:noFill/>
         </p:spPr>
-      </p:pic>
+        <p:txBody>
+          <a:bodyPr wrap="square">
+            <a:spAutoFit/>
+          </a:bodyPr>
+          <a:lstStyle/>
+          <a:p>
+            <a:r>
+              <a:rPr lang="en-US" dirty="0"/>
+              <a:t>Microsoft Windows [Version 10.0.19045.3208]</a:t>
+            </a:r>
+          </a:p>
+          <a:p>
+            <a:r>
+              <a:rPr lang="en-US" dirty="0"/>
+              <a:t>(c) Microsoft Corporation. All rights reserved.</a:t>
+            </a:r>
+          </a:p>
+          <a:p>
+            <a:endParaRPr lang="en-US" dirty="0"/>
+          </a:p>
+          <a:p>
+            <a:r>
+              <a:rPr lang="en-US" dirty="0"/>
+              <a:t>C:\Users\339073\OneDrive\WEBDEVELOP2023\Django_Ecommerce_02&gt;python -m </a:t>
+            </a:r>
+            <a:r>
+              <a:rPr lang="en-US" dirty="0" err="1"/>
+              <a:t>venv</a:t>
+            </a:r>
+            <a:r>
+              <a:rPr lang="en-US" dirty="0"/>
+              <a:t> </a:t>
+            </a:r>
+            <a:r>
+              <a:rPr lang="en-US" b="1" dirty="0" err="1"/>
+              <a:t>witaya_ecom</a:t>
+            </a:r>
+            <a:endParaRPr lang="en-US" b="1" dirty="0"/>
+          </a:p>
+          <a:p>
+            <a:r>
+              <a:rPr lang="en-US" dirty="0"/>
+              <a:t>C:\Users\339073\OneDrive\WEBDEVELOP2023\Django_Ecommerce_02&gt;witaya_ecom\Scripts\activate.bat</a:t>
+            </a:r>
+          </a:p>
+          <a:p>
+            <a:r>
+              <a:rPr lang="en-US" dirty="0"/>
+              <a:t>(</a:t>
+            </a:r>
+            <a:r>
+              <a:rPr lang="en-US" dirty="0" err="1"/>
+              <a:t>witaya_ecom</a:t>
+            </a:r>
+            <a:r>
+              <a:rPr lang="en-US" dirty="0"/>
+              <a:t>) C:\Users\339073\OneDrive\WEBDEVELOP2023\Django_Ecommerce_02\djangoworkshop&gt;</a:t>
+            </a:r>
+          </a:p>
+        </p:txBody>
+      </p:sp>
     </p:spTree>
     <p:extLst>
       <p:ext uri="{BB962C8B-B14F-4D97-AF65-F5344CB8AC3E}">
-        <p14:creationId xmlns:p14="http://schemas.microsoft.com/office/powerpoint/2010/main" val="720513010"/>
+        <p14:creationId xmlns:p14="http://schemas.microsoft.com/office/powerpoint/2010/main" val="616725202"/>
       </p:ext>
     </p:extLst>
   </p:cSld>

--- a/MEMO Djano Ecommerce.pptx
+++ b/MEMO Djano Ecommerce.pptx
@@ -11,6 +11,7 @@
     <p:sldId id="259" r:id="rId5"/>
     <p:sldId id="261" r:id="rId6"/>
     <p:sldId id="260" r:id="rId7"/>
+    <p:sldId id="262" r:id="rId8"/>
   </p:sldIdLst>
   <p:sldSz cx="12192000" cy="6858000"/>
   <p:notesSz cx="6858000" cy="9144000"/>
@@ -120,7 +121,7 @@
 <file path=ppt/revisionInfo.xml><?xml version="1.0" encoding="utf-8"?>
 <p1510:revInfo xmlns:a="http://schemas.openxmlformats.org/drawingml/2006/main" xmlns:r="http://schemas.openxmlformats.org/officeDocument/2006/relationships" xmlns:p1510="http://schemas.microsoft.com/office/powerpoint/2015/10/main">
   <p1510:revLst>
-    <p1510:client id="{C40ECDBD-8CF9-40EF-A28C-1BE57FD9D4E1}" v="2" dt="2023-08-10T16:08:19.204"/>
+    <p1510:client id="{C40ECDBD-8CF9-40EF-A28C-1BE57FD9D4E1}" v="4" dt="2024-01-08T10:12:51.193"/>
   </p1510:revLst>
 </p1510:revInfo>
 </file>
@@ -272,7 +273,7 @@
           <a:p>
             <a:fld id="{88FB9E02-EF2F-45E8-9C52-8DD8EBAD47A3}" type="datetimeFigureOut">
               <a:rPr lang="en-US" smtClean="0"/>
-              <a:t>8/12/2023</a:t>
+              <a:t>1/8/2024</a:t>
             </a:fld>
             <a:endParaRPr lang="en-US"/>
           </a:p>
@@ -470,7 +471,7 @@
           <a:p>
             <a:fld id="{88FB9E02-EF2F-45E8-9C52-8DD8EBAD47A3}" type="datetimeFigureOut">
               <a:rPr lang="en-US" smtClean="0"/>
-              <a:t>8/12/2023</a:t>
+              <a:t>1/8/2024</a:t>
             </a:fld>
             <a:endParaRPr lang="en-US"/>
           </a:p>
@@ -678,7 +679,7 @@
           <a:p>
             <a:fld id="{88FB9E02-EF2F-45E8-9C52-8DD8EBAD47A3}" type="datetimeFigureOut">
               <a:rPr lang="en-US" smtClean="0"/>
-              <a:t>8/12/2023</a:t>
+              <a:t>1/8/2024</a:t>
             </a:fld>
             <a:endParaRPr lang="en-US"/>
           </a:p>
@@ -876,7 +877,7 @@
           <a:p>
             <a:fld id="{88FB9E02-EF2F-45E8-9C52-8DD8EBAD47A3}" type="datetimeFigureOut">
               <a:rPr lang="en-US" smtClean="0"/>
-              <a:t>8/12/2023</a:t>
+              <a:t>1/8/2024</a:t>
             </a:fld>
             <a:endParaRPr lang="en-US"/>
           </a:p>
@@ -1151,7 +1152,7 @@
           <a:p>
             <a:fld id="{88FB9E02-EF2F-45E8-9C52-8DD8EBAD47A3}" type="datetimeFigureOut">
               <a:rPr lang="en-US" smtClean="0"/>
-              <a:t>8/12/2023</a:t>
+              <a:t>1/8/2024</a:t>
             </a:fld>
             <a:endParaRPr lang="en-US"/>
           </a:p>
@@ -1416,7 +1417,7 @@
           <a:p>
             <a:fld id="{88FB9E02-EF2F-45E8-9C52-8DD8EBAD47A3}" type="datetimeFigureOut">
               <a:rPr lang="en-US" smtClean="0"/>
-              <a:t>8/12/2023</a:t>
+              <a:t>1/8/2024</a:t>
             </a:fld>
             <a:endParaRPr lang="en-US"/>
           </a:p>
@@ -1828,7 +1829,7 @@
           <a:p>
             <a:fld id="{88FB9E02-EF2F-45E8-9C52-8DD8EBAD47A3}" type="datetimeFigureOut">
               <a:rPr lang="en-US" smtClean="0"/>
-              <a:t>8/12/2023</a:t>
+              <a:t>1/8/2024</a:t>
             </a:fld>
             <a:endParaRPr lang="en-US"/>
           </a:p>
@@ -1969,7 +1970,7 @@
           <a:p>
             <a:fld id="{88FB9E02-EF2F-45E8-9C52-8DD8EBAD47A3}" type="datetimeFigureOut">
               <a:rPr lang="en-US" smtClean="0"/>
-              <a:t>8/12/2023</a:t>
+              <a:t>1/8/2024</a:t>
             </a:fld>
             <a:endParaRPr lang="en-US"/>
           </a:p>
@@ -2082,7 +2083,7 @@
           <a:p>
             <a:fld id="{88FB9E02-EF2F-45E8-9C52-8DD8EBAD47A3}" type="datetimeFigureOut">
               <a:rPr lang="en-US" smtClean="0"/>
-              <a:t>8/12/2023</a:t>
+              <a:t>1/8/2024</a:t>
             </a:fld>
             <a:endParaRPr lang="en-US"/>
           </a:p>
@@ -2393,7 +2394,7 @@
           <a:p>
             <a:fld id="{88FB9E02-EF2F-45E8-9C52-8DD8EBAD47A3}" type="datetimeFigureOut">
               <a:rPr lang="en-US" smtClean="0"/>
-              <a:t>8/12/2023</a:t>
+              <a:t>1/8/2024</a:t>
             </a:fld>
             <a:endParaRPr lang="en-US"/>
           </a:p>
@@ -2681,7 +2682,7 @@
           <a:p>
             <a:fld id="{88FB9E02-EF2F-45E8-9C52-8DD8EBAD47A3}" type="datetimeFigureOut">
               <a:rPr lang="en-US" smtClean="0"/>
-              <a:t>8/12/2023</a:t>
+              <a:t>1/8/2024</a:t>
             </a:fld>
             <a:endParaRPr lang="en-US"/>
           </a:p>
@@ -2922,7 +2923,7 @@
           <a:p>
             <a:fld id="{88FB9E02-EF2F-45E8-9C52-8DD8EBAD47A3}" type="datetimeFigureOut">
               <a:rPr lang="en-US" smtClean="0"/>
-              <a:t>8/12/2023</a:t>
+              <a:t>1/8/2024</a:t>
             </a:fld>
             <a:endParaRPr lang="en-US"/>
           </a:p>
@@ -3461,6 +3462,41 @@
           </a:prstGeom>
         </p:spPr>
       </p:pic>
+      <p:sp>
+        <p:nvSpPr>
+          <p:cNvPr id="2" name="TextBox 1">
+            <a:extLst>
+              <a:ext uri="{FF2B5EF4-FFF2-40B4-BE49-F238E27FC236}">
+                <a16:creationId xmlns:a16="http://schemas.microsoft.com/office/drawing/2014/main" id="{50250CA2-0284-20D8-9423-0EA12E0867B2}"/>
+              </a:ext>
+            </a:extLst>
+          </p:cNvPr>
+          <p:cNvSpPr txBox="1"/>
+          <p:nvPr/>
+        </p:nvSpPr>
+        <p:spPr>
+          <a:xfrm>
+            <a:off x="1484416" y="356260"/>
+            <a:ext cx="3418115" cy="369332"/>
+          </a:xfrm>
+          <a:prstGeom prst="rect">
+            <a:avLst/>
+          </a:prstGeom>
+          <a:noFill/>
+        </p:spPr>
+        <p:txBody>
+          <a:bodyPr wrap="none" rtlCol="0">
+            <a:spAutoFit/>
+          </a:bodyPr>
+          <a:lstStyle/>
+          <a:p>
+            <a:r>
+              <a:rPr lang="en-US" dirty="0"/>
+              <a:t>This project run on  Dell Computer</a:t>
+            </a:r>
+          </a:p>
+        </p:txBody>
+      </p:sp>
     </p:spTree>
     <p:extLst>
       <p:ext uri="{BB962C8B-B14F-4D97-AF65-F5344CB8AC3E}">
@@ -3885,10 +3921,169 @@
           </a:p>
         </p:txBody>
       </p:sp>
+      <p:pic>
+        <p:nvPicPr>
+          <p:cNvPr id="3" name="Picture 2">
+            <a:extLst>
+              <a:ext uri="{FF2B5EF4-FFF2-40B4-BE49-F238E27FC236}">
+                <a16:creationId xmlns:a16="http://schemas.microsoft.com/office/drawing/2014/main" id="{FD297B07-134D-9F23-6EAB-ED131CF6EA69}"/>
+              </a:ext>
+            </a:extLst>
+          </p:cNvPr>
+          <p:cNvPicPr>
+            <a:picLocks noChangeAspect="1"/>
+          </p:cNvPicPr>
+          <p:nvPr/>
+        </p:nvPicPr>
+        <p:blipFill>
+          <a:blip r:embed="rId2"/>
+          <a:stretch>
+            <a:fillRect/>
+          </a:stretch>
+        </p:blipFill>
+        <p:spPr>
+          <a:xfrm>
+            <a:off x="641647" y="2552577"/>
+            <a:ext cx="9393003" cy="2162443"/>
+          </a:xfrm>
+          <a:prstGeom prst="rect">
+            <a:avLst/>
+          </a:prstGeom>
+        </p:spPr>
+      </p:pic>
+      <p:sp>
+        <p:nvSpPr>
+          <p:cNvPr id="4" name="TextBox 3">
+            <a:extLst>
+              <a:ext uri="{FF2B5EF4-FFF2-40B4-BE49-F238E27FC236}">
+                <a16:creationId xmlns:a16="http://schemas.microsoft.com/office/drawing/2014/main" id="{98B428C4-3D9E-9C88-D3BB-9785EC3032D6}"/>
+              </a:ext>
+            </a:extLst>
+          </p:cNvPr>
+          <p:cNvSpPr txBox="1"/>
+          <p:nvPr/>
+        </p:nvSpPr>
+        <p:spPr>
+          <a:xfrm>
+            <a:off x="1235034" y="5652655"/>
+            <a:ext cx="5237331" cy="369332"/>
+          </a:xfrm>
+          <a:prstGeom prst="rect">
+            <a:avLst/>
+          </a:prstGeom>
+          <a:noFill/>
+        </p:spPr>
+        <p:txBody>
+          <a:bodyPr wrap="none" rtlCol="0">
+            <a:spAutoFit/>
+          </a:bodyPr>
+          <a:lstStyle/>
+          <a:p>
+            <a:r>
+              <a:rPr lang="th-TH" dirty="0"/>
+              <a:t>อย่าลืม เปิด </a:t>
+            </a:r>
+            <a:r>
+              <a:rPr lang="en-US" dirty="0"/>
+              <a:t>XAMPP   </a:t>
+            </a:r>
+            <a:r>
+              <a:rPr lang="th-TH" dirty="0"/>
+              <a:t>ก่อน </a:t>
+            </a:r>
+            <a:r>
+              <a:rPr lang="en-US" dirty="0"/>
+              <a:t>activate d-</a:t>
+            </a:r>
+            <a:r>
+              <a:rPr lang="en-US" dirty="0" err="1"/>
+              <a:t>jango</a:t>
+            </a:r>
+            <a:r>
+              <a:rPr lang="en-US" dirty="0"/>
+              <a:t> </a:t>
+            </a:r>
+            <a:r>
+              <a:rPr lang="th-TH" dirty="0"/>
+              <a:t>นะครับ  </a:t>
+            </a:r>
+            <a:r>
+              <a:rPr lang="en-US" dirty="0">
+                <a:sym typeface="Wingdings" panose="05000000000000000000" pitchFamily="2" charset="2"/>
+              </a:rPr>
+              <a:t> Jan_08</a:t>
+            </a:r>
+            <a:r>
+              <a:rPr lang="en-US" dirty="0"/>
+              <a:t> </a:t>
+            </a:r>
+          </a:p>
+        </p:txBody>
+      </p:sp>
     </p:spTree>
     <p:extLst>
       <p:ext uri="{BB962C8B-B14F-4D97-AF65-F5344CB8AC3E}">
         <p14:creationId xmlns:p14="http://schemas.microsoft.com/office/powerpoint/2010/main" val="616725202"/>
+      </p:ext>
+    </p:extLst>
+  </p:cSld>
+  <p:clrMapOvr>
+    <a:masterClrMapping/>
+  </p:clrMapOvr>
+</p:sld>
+</file>
+
+<file path=ppt/slides/slide7.xml><?xml version="1.0" encoding="utf-8"?>
+<p:sld xmlns:a="http://schemas.openxmlformats.org/drawingml/2006/main" xmlns:r="http://schemas.openxmlformats.org/officeDocument/2006/relationships" xmlns:p="http://schemas.openxmlformats.org/presentationml/2006/main">
+  <p:cSld>
+    <p:spTree>
+      <p:nvGrpSpPr>
+        <p:cNvPr id="1" name=""/>
+        <p:cNvGrpSpPr/>
+        <p:nvPr/>
+      </p:nvGrpSpPr>
+      <p:grpSpPr>
+        <a:xfrm>
+          <a:off x="0" y="0"/>
+          <a:ext cx="0" cy="0"/>
+          <a:chOff x="0" y="0"/>
+          <a:chExt cx="0" cy="0"/>
+        </a:xfrm>
+      </p:grpSpPr>
+      <p:pic>
+        <p:nvPicPr>
+          <p:cNvPr id="5" name="Picture 4">
+            <a:extLst>
+              <a:ext uri="{FF2B5EF4-FFF2-40B4-BE49-F238E27FC236}">
+                <a16:creationId xmlns:a16="http://schemas.microsoft.com/office/drawing/2014/main" id="{5FB7EEB0-224D-3D7E-724B-31577EA06FAD}"/>
+              </a:ext>
+            </a:extLst>
+          </p:cNvPr>
+          <p:cNvPicPr>
+            <a:picLocks noChangeAspect="1"/>
+          </p:cNvPicPr>
+          <p:nvPr/>
+        </p:nvPicPr>
+        <p:blipFill>
+          <a:blip r:embed="rId2"/>
+          <a:stretch>
+            <a:fillRect/>
+          </a:stretch>
+        </p:blipFill>
+        <p:spPr>
+          <a:xfrm>
+            <a:off x="2119033" y="661287"/>
+            <a:ext cx="9536519" cy="3147060"/>
+          </a:xfrm>
+          <a:prstGeom prst="rect">
+            <a:avLst/>
+          </a:prstGeom>
+        </p:spPr>
+      </p:pic>
+    </p:spTree>
+    <p:extLst>
+      <p:ext uri="{BB962C8B-B14F-4D97-AF65-F5344CB8AC3E}">
+        <p14:creationId xmlns:p14="http://schemas.microsoft.com/office/powerpoint/2010/main" val="223989185"/>
       </p:ext>
     </p:extLst>
   </p:cSld>
